--- a/4 ⚙️ Solution/20 🧑‍🦰 UI/25 🎫 Tokens/.📎 Assets/🎫 .pptx
+++ b/4 ⚙️ Solution/20 🧑‍🦰 UI/25 🎫 Tokens/.📎 Assets/🎫 .pptx
@@ -26,7 +26,7 @@
       <p:boldItalic r:id="rId10"/>
     </p:embeddedFont>
     <p:embeddedFont>
-      <p:font typeface="Amazon Ember Display" panose="020B0603020204020204" pitchFamily="34" charset="0"/>
+      <p:font typeface="Amazon Ember Display" panose="020F0603020204020204" pitchFamily="34" charset="0"/>
       <p:regular r:id="rId11"/>
       <p:bold r:id="rId12"/>
       <p:italic r:id="rId13"/>
@@ -808,7 +808,7 @@
           <a:p>
             <a:fld id="{542F96DF-134D-4F6A-BFA6-E032E504EEEB}" type="datetime8">
               <a:rPr lang="en-US" smtClean="0"/>
-              <a:t>4/22/25 9:15 PM</a:t>
+              <a:t>9/15/25 11:15 PM</a:t>
             </a:fld>
             <a:endParaRPr lang="en-US" dirty="0"/>
           </a:p>
@@ -3025,7 +3025,7 @@
                     <a:schemeClr val="tx1"/>
                   </a:solidFill>
                 </a:rPr>
-                <a:t>2</a:t>
+                <a:t>3</a:t>
               </a:r>
             </a:p>
           </p:txBody>
@@ -3795,7 +3795,7 @@
                     <a:schemeClr val="tx1"/>
                   </a:solidFill>
                 </a:rPr>
-                <a:t>2</a:t>
+                <a:t>5</a:t>
               </a:r>
             </a:p>
           </p:txBody>
@@ -4750,7 +4750,7 @@
                     <a:schemeClr val="tx1"/>
                   </a:solidFill>
                 </a:rPr>
-                <a:t>3</a:t>
+                <a:t>4</a:t>
               </a:r>
             </a:p>
           </p:txBody>
@@ -4877,7 +4877,7 @@
                     <a:schemeClr val="tx1"/>
                   </a:solidFill>
                 </a:rPr>
-                <a:t>3</a:t>
+                <a:t>6</a:t>
               </a:r>
             </a:p>
           </p:txBody>
@@ -4898,9 +4898,9 @@
         <p:grpSpPr>
           <a:xfrm>
             <a:off x="9548397" y="606814"/>
-            <a:ext cx="2333952" cy="400110"/>
+            <a:ext cx="2570992" cy="400110"/>
             <a:chOff x="8926562" y="3216153"/>
-            <a:chExt cx="2333952" cy="400110"/>
+            <a:chExt cx="2570992" cy="400110"/>
           </a:xfrm>
         </p:grpSpPr>
         <p:sp>
@@ -4918,7 +4918,7 @@
           <p:spPr>
             <a:xfrm>
               <a:off x="9286562" y="3216153"/>
-              <a:ext cx="1973952" cy="400110"/>
+              <a:ext cx="2210992" cy="400110"/>
             </a:xfrm>
             <a:prstGeom prst="rect">
               <a:avLst/>
@@ -5002,7 +5002,7 @@
                     <a:schemeClr val="tx1"/>
                   </a:solidFill>
                 </a:rPr>
-                <a:t>4</a:t>
+                <a:t>7</a:t>
               </a:r>
             </a:p>
           </p:txBody>
@@ -5127,7 +5127,7 @@
                     <a:schemeClr val="tx1"/>
                   </a:solidFill>
                 </a:rPr>
-                <a:t>5</a:t>
+                <a:t>8</a:t>
               </a:r>
             </a:p>
           </p:txBody>
